--- a/reports/Capstone 2 Presentation Recommendation engine for Sephora.pptx
+++ b/reports/Capstone 2 Presentation Recommendation engine for Sephora.pptx
@@ -6990,6 +6990,48 @@
           </a:ln>
         </p:spPr>
       </p:pic>
+      <p:sp>
+        <p:nvSpPr>
+          <p:cNvPr id="128" name="Google Shape;128;p24"/>
+          <p:cNvSpPr txBox="1"/>
+          <p:nvPr/>
+        </p:nvSpPr>
+        <p:spPr>
+          <a:xfrm>
+            <a:off x="162075" y="4160050"/>
+            <a:ext cx="8387700" cy="677100"/>
+          </a:xfrm>
+          <a:prstGeom prst="rect">
+            <a:avLst/>
+          </a:prstGeom>
+          <a:noFill/>
+          <a:ln>
+            <a:noFill/>
+          </a:ln>
+        </p:spPr>
+        <p:txBody>
+          <a:bodyPr anchorCtr="0" anchor="t" bIns="91425" lIns="91425" spcFirstLastPara="1" rIns="91425" wrap="square" tIns="91425">
+            <a:spAutoFit/>
+          </a:bodyPr>
+          <a:lstStyle/>
+          <a:p>
+            <a:pPr indent="0" lvl="0" marL="0" rtl="0" algn="l">
+              <a:spcBef>
+                <a:spcPts val="0"/>
+              </a:spcBef>
+              <a:spcAft>
+                <a:spcPts val="0"/>
+              </a:spcAft>
+              <a:buNone/>
+            </a:pPr>
+            <a:r>
+              <a:rPr lang="en" sz="1600"/>
+              <a:t>The recommendation has a problem skincare theme this user may be interested in and looks relevant and comprehensive. </a:t>
+            </a:r>
+            <a:endParaRPr sz="1800"/>
+          </a:p>
+        </p:txBody>
+      </p:sp>
     </p:spTree>
   </p:cSld>
   <p:clrMapOvr>
